--- a/downloads/zfa-term-enrichment.pptx
+++ b/downloads/zfa-term-enrichment.pptx
@@ -3158,7 +3158,7 @@
           <a:p>
             <a:r>
               <a:rPr lang="en-US" dirty="0"/>
-              <a:t>As well as annotating genes with GO terms, ZFIN associate genes with anatomical terms (based on literature review and images submitted directly)</a:t>
+              <a:t>As well as annotating genes with GO terms, ZFIN associate genes with anatomical terms (based on literature review and in situ images submitted directly)</a:t>
             </a:r>
           </a:p>
           <a:p>
